--- a/UserManual/huongdan.pptx
+++ b/UserManual/huongdan.pptx
@@ -267,7 +267,7 @@
           <a:p>
             <a:fld id="{1EEE8ECC-0B3A-45BE-A023-B524CA550765}" type="datetimeFigureOut">
               <a:rPr lang="en-US" smtClean="0"/>
-              <a:t>7/1/2020</a:t>
+              <a:t>7/4/2020</a:t>
             </a:fld>
             <a:endParaRPr lang="en-US"/>
           </a:p>
@@ -465,7 +465,7 @@
           <a:p>
             <a:fld id="{1EEE8ECC-0B3A-45BE-A023-B524CA550765}" type="datetimeFigureOut">
               <a:rPr lang="en-US" smtClean="0"/>
-              <a:t>7/1/2020</a:t>
+              <a:t>7/4/2020</a:t>
             </a:fld>
             <a:endParaRPr lang="en-US"/>
           </a:p>
@@ -673,7 +673,7 @@
           <a:p>
             <a:fld id="{1EEE8ECC-0B3A-45BE-A023-B524CA550765}" type="datetimeFigureOut">
               <a:rPr lang="en-US" smtClean="0"/>
-              <a:t>7/1/2020</a:t>
+              <a:t>7/4/2020</a:t>
             </a:fld>
             <a:endParaRPr lang="en-US"/>
           </a:p>
@@ -871,7 +871,7 @@
           <a:p>
             <a:fld id="{1EEE8ECC-0B3A-45BE-A023-B524CA550765}" type="datetimeFigureOut">
               <a:rPr lang="en-US" smtClean="0"/>
-              <a:t>7/1/2020</a:t>
+              <a:t>7/4/2020</a:t>
             </a:fld>
             <a:endParaRPr lang="en-US"/>
           </a:p>
@@ -1146,7 +1146,7 @@
           <a:p>
             <a:fld id="{1EEE8ECC-0B3A-45BE-A023-B524CA550765}" type="datetimeFigureOut">
               <a:rPr lang="en-US" smtClean="0"/>
-              <a:t>7/1/2020</a:t>
+              <a:t>7/4/2020</a:t>
             </a:fld>
             <a:endParaRPr lang="en-US"/>
           </a:p>
@@ -1411,7 +1411,7 @@
           <a:p>
             <a:fld id="{1EEE8ECC-0B3A-45BE-A023-B524CA550765}" type="datetimeFigureOut">
               <a:rPr lang="en-US" smtClean="0"/>
-              <a:t>7/1/2020</a:t>
+              <a:t>7/4/2020</a:t>
             </a:fld>
             <a:endParaRPr lang="en-US"/>
           </a:p>
@@ -1823,7 +1823,7 @@
           <a:p>
             <a:fld id="{1EEE8ECC-0B3A-45BE-A023-B524CA550765}" type="datetimeFigureOut">
               <a:rPr lang="en-US" smtClean="0"/>
-              <a:t>7/1/2020</a:t>
+              <a:t>7/4/2020</a:t>
             </a:fld>
             <a:endParaRPr lang="en-US"/>
           </a:p>
@@ -1964,7 +1964,7 @@
           <a:p>
             <a:fld id="{1EEE8ECC-0B3A-45BE-A023-B524CA550765}" type="datetimeFigureOut">
               <a:rPr lang="en-US" smtClean="0"/>
-              <a:t>7/1/2020</a:t>
+              <a:t>7/4/2020</a:t>
             </a:fld>
             <a:endParaRPr lang="en-US"/>
           </a:p>
@@ -2077,7 +2077,7 @@
           <a:p>
             <a:fld id="{1EEE8ECC-0B3A-45BE-A023-B524CA550765}" type="datetimeFigureOut">
               <a:rPr lang="en-US" smtClean="0"/>
-              <a:t>7/1/2020</a:t>
+              <a:t>7/4/2020</a:t>
             </a:fld>
             <a:endParaRPr lang="en-US"/>
           </a:p>
@@ -2388,7 +2388,7 @@
           <a:p>
             <a:fld id="{1EEE8ECC-0B3A-45BE-A023-B524CA550765}" type="datetimeFigureOut">
               <a:rPr lang="en-US" smtClean="0"/>
-              <a:t>7/1/2020</a:t>
+              <a:t>7/4/2020</a:t>
             </a:fld>
             <a:endParaRPr lang="en-US"/>
           </a:p>
@@ -2676,7 +2676,7 @@
           <a:p>
             <a:fld id="{1EEE8ECC-0B3A-45BE-A023-B524CA550765}" type="datetimeFigureOut">
               <a:rPr lang="en-US" smtClean="0"/>
-              <a:t>7/1/2020</a:t>
+              <a:t>7/4/2020</a:t>
             </a:fld>
             <a:endParaRPr lang="en-US"/>
           </a:p>
@@ -2917,7 +2917,7 @@
           <a:p>
             <a:fld id="{1EEE8ECC-0B3A-45BE-A023-B524CA550765}" type="datetimeFigureOut">
               <a:rPr lang="en-US" smtClean="0"/>
-              <a:t>7/1/2020</a:t>
+              <a:t>7/4/2020</a:t>
             </a:fld>
             <a:endParaRPr lang="en-US"/>
           </a:p>
@@ -3404,10 +3404,10 @@
       </p:sp>
       <p:pic>
         <p:nvPicPr>
-          <p:cNvPr id="5" name="Picture 4">
-            <a:extLst>
-              <a:ext uri="{FF2B5EF4-FFF2-40B4-BE49-F238E27FC236}">
-                <a16:creationId xmlns:a16="http://schemas.microsoft.com/office/drawing/2014/main" id="{33FD9154-04F2-4CE1-8A9B-4FECC0A5C587}"/>
+          <p:cNvPr id="6" name="Picture 5">
+            <a:extLst>
+              <a:ext uri="{FF2B5EF4-FFF2-40B4-BE49-F238E27FC236}">
+                <a16:creationId xmlns:a16="http://schemas.microsoft.com/office/drawing/2014/main" id="{9476AA1F-282B-4374-9C1D-A76F085ACFFC}"/>
               </a:ext>
             </a:extLst>
           </p:cNvPr>
@@ -3418,36 +3418,6 @@
         </p:nvPicPr>
         <p:blipFill>
           <a:blip r:embed="rId2"/>
-          <a:stretch>
-            <a:fillRect/>
-          </a:stretch>
-        </p:blipFill>
-        <p:spPr>
-          <a:xfrm>
-            <a:off x="182719" y="923330"/>
-            <a:ext cx="6505575" cy="581025"/>
-          </a:xfrm>
-          <a:prstGeom prst="rect">
-            <a:avLst/>
-          </a:prstGeom>
-        </p:spPr>
-      </p:pic>
-      <p:pic>
-        <p:nvPicPr>
-          <p:cNvPr id="6" name="Picture 5">
-            <a:extLst>
-              <a:ext uri="{FF2B5EF4-FFF2-40B4-BE49-F238E27FC236}">
-                <a16:creationId xmlns:a16="http://schemas.microsoft.com/office/drawing/2014/main" id="{9476AA1F-282B-4374-9C1D-A76F085ACFFC}"/>
-              </a:ext>
-            </a:extLst>
-          </p:cNvPr>
-          <p:cNvPicPr>
-            <a:picLocks noChangeAspect="1"/>
-          </p:cNvPicPr>
-          <p:nvPr/>
-        </p:nvPicPr>
-        <p:blipFill>
-          <a:blip r:embed="rId3"/>
           <a:stretch>
             <a:fillRect/>
           </a:stretch>
@@ -3477,7 +3447,7 @@
         <p:spPr>
           <a:xfrm>
             <a:off x="5628443" y="1680094"/>
-            <a:ext cx="6049156" cy="923330"/>
+            <a:ext cx="5984331" cy="1200329"/>
           </a:xfrm>
           <a:prstGeom prst="rect">
             <a:avLst/>
@@ -3742,6 +3712,61 @@
                 <a:cs typeface="Times New Roman" panose="02020603050405020304" pitchFamily="18" charset="0"/>
               </a:rPr>
               <a:t>)</a:t>
+            </a:r>
+          </a:p>
+          <a:p>
+            <a:pPr marL="285750" indent="-285750">
+              <a:buFontTx/>
+              <a:buChar char="-"/>
+            </a:pPr>
+            <a:r>
+              <a:rPr lang="en-US" dirty="0" err="1">
+                <a:latin typeface="Times New Roman" panose="02020603050405020304" pitchFamily="18" charset="0"/>
+                <a:cs typeface="Times New Roman" panose="02020603050405020304" pitchFamily="18" charset="0"/>
+              </a:rPr>
+              <a:t>Chọn</a:t>
+            </a:r>
+            <a:r>
+              <a:rPr lang="en-US" dirty="0">
+                <a:latin typeface="Times New Roman" panose="02020603050405020304" pitchFamily="18" charset="0"/>
+                <a:cs typeface="Times New Roman" panose="02020603050405020304" pitchFamily="18" charset="0"/>
+              </a:rPr>
+              <a:t> đ</a:t>
+            </a:r>
+            <a:r>
+              <a:rPr lang="vi-VN" dirty="0">
+                <a:latin typeface="Times New Roman" panose="02020603050405020304" pitchFamily="18" charset="0"/>
+                <a:cs typeface="Times New Roman" panose="02020603050405020304" pitchFamily="18" charset="0"/>
+              </a:rPr>
+              <a:t>ư</a:t>
+            </a:r>
+            <a:r>
+              <a:rPr lang="en-US" dirty="0" err="1">
+                <a:latin typeface="Times New Roman" panose="02020603050405020304" pitchFamily="18" charset="0"/>
+                <a:cs typeface="Times New Roman" panose="02020603050405020304" pitchFamily="18" charset="0"/>
+              </a:rPr>
+              <a:t>ờng</a:t>
+            </a:r>
+            <a:r>
+              <a:rPr lang="en-US" dirty="0">
+                <a:latin typeface="Times New Roman" panose="02020603050405020304" pitchFamily="18" charset="0"/>
+                <a:cs typeface="Times New Roman" panose="02020603050405020304" pitchFamily="18" charset="0"/>
+              </a:rPr>
+              <a:t> </a:t>
+            </a:r>
+            <a:r>
+              <a:rPr lang="en-US" dirty="0" err="1">
+                <a:latin typeface="Times New Roman" panose="02020603050405020304" pitchFamily="18" charset="0"/>
+                <a:cs typeface="Times New Roman" panose="02020603050405020304" pitchFamily="18" charset="0"/>
+              </a:rPr>
+              <a:t>dẫn</a:t>
+            </a:r>
+            <a:r>
+              <a:rPr lang="en-US" dirty="0">
+                <a:latin typeface="Times New Roman" panose="02020603050405020304" pitchFamily="18" charset="0"/>
+                <a:cs typeface="Times New Roman" panose="02020603050405020304" pitchFamily="18" charset="0"/>
+              </a:rPr>
+              <a:t> file pattern</a:t>
             </a:r>
           </a:p>
         </p:txBody>
@@ -3816,7 +3841,7 @@
           <p:nvPr/>
         </p:nvPicPr>
         <p:blipFill>
-          <a:blip r:embed="rId4"/>
+          <a:blip r:embed="rId3"/>
           <a:stretch>
             <a:fillRect/>
           </a:stretch>
@@ -3886,6 +3911,36 @@
           </a:p>
         </p:txBody>
       </p:sp>
+      <p:pic>
+        <p:nvPicPr>
+          <p:cNvPr id="2" name="Picture 1">
+            <a:extLst>
+              <a:ext uri="{FF2B5EF4-FFF2-40B4-BE49-F238E27FC236}">
+                <a16:creationId xmlns:a16="http://schemas.microsoft.com/office/drawing/2014/main" id="{4363B563-EA08-4BD7-99C7-3880CB0FC806}"/>
+              </a:ext>
+            </a:extLst>
+          </p:cNvPr>
+          <p:cNvPicPr>
+            <a:picLocks noChangeAspect="1"/>
+          </p:cNvPicPr>
+          <p:nvPr/>
+        </p:nvPicPr>
+        <p:blipFill>
+          <a:blip r:embed="rId4"/>
+          <a:stretch>
+            <a:fillRect/>
+          </a:stretch>
+        </p:blipFill>
+        <p:spPr>
+          <a:xfrm>
+            <a:off x="182719" y="932429"/>
+            <a:ext cx="6391275" cy="638175"/>
+          </a:xfrm>
+          <a:prstGeom prst="rect">
+            <a:avLst/>
+          </a:prstGeom>
+        </p:spPr>
+      </p:pic>
       <p:cxnSp>
         <p:nvCxnSpPr>
           <p:cNvPr id="12" name="Straight Arrow Connector 11">
@@ -8819,6 +8874,75 @@
           </a:p>
         </p:txBody>
       </p:sp>
+      <p:sp>
+        <p:nvSpPr>
+          <p:cNvPr id="7" name="TextBox 6">
+            <a:extLst>
+              <a:ext uri="{FF2B5EF4-FFF2-40B4-BE49-F238E27FC236}">
+                <a16:creationId xmlns:a16="http://schemas.microsoft.com/office/drawing/2014/main" id="{B75C0635-B057-49F2-9F35-09D16BF9A9D6}"/>
+              </a:ext>
+            </a:extLst>
+          </p:cNvPr>
+          <p:cNvSpPr txBox="1"/>
+          <p:nvPr/>
+        </p:nvSpPr>
+        <p:spPr>
+          <a:xfrm>
+            <a:off x="1553813" y="3638160"/>
+            <a:ext cx="1950098" cy="369332"/>
+          </a:xfrm>
+          <a:prstGeom prst="rect">
+            <a:avLst/>
+          </a:prstGeom>
+          <a:noFill/>
+        </p:spPr>
+        <p:txBody>
+          <a:bodyPr wrap="square" rtlCol="0">
+            <a:spAutoFit/>
+          </a:bodyPr>
+          <a:lstStyle/>
+          <a:p>
+            <a:r>
+              <a:rPr lang="en-US" dirty="0"/>
+              <a:t>File Pattern</a:t>
+            </a:r>
+          </a:p>
+        </p:txBody>
+      </p:sp>
+      <p:sp>
+        <p:nvSpPr>
+          <p:cNvPr id="8" name="Rectangle 7">
+            <a:extLst>
+              <a:ext uri="{FF2B5EF4-FFF2-40B4-BE49-F238E27FC236}">
+                <a16:creationId xmlns:a16="http://schemas.microsoft.com/office/drawing/2014/main" id="{F9B6CB7A-A7B8-4818-B296-C44228F61AF3}"/>
+              </a:ext>
+            </a:extLst>
+          </p:cNvPr>
+          <p:cNvSpPr/>
+          <p:nvPr/>
+        </p:nvSpPr>
+        <p:spPr>
+          <a:xfrm>
+            <a:off x="1489328" y="4124515"/>
+            <a:ext cx="9270408" cy="369332"/>
+          </a:xfrm>
+          <a:prstGeom prst="rect">
+            <a:avLst/>
+          </a:prstGeom>
+        </p:spPr>
+        <p:txBody>
+          <a:bodyPr wrap="square">
+            <a:spAutoFit/>
+          </a:bodyPr>
+          <a:lstStyle/>
+          <a:p>
+            <a:r>
+              <a:rPr lang="en-US" dirty="0"/>
+              <a:t>https://drive.google.com/file/d/1IVPg17Ld3ZftyB4Ctfb5ROWrPjXnMDAU/view?usp=sharing</a:t>
+            </a:r>
+          </a:p>
+        </p:txBody>
+      </p:sp>
     </p:spTree>
     <p:extLst>
       <p:ext uri="{BB962C8B-B14F-4D97-AF65-F5344CB8AC3E}">
@@ -8863,8 +8987,8 @@
         </p:nvSpPr>
         <p:spPr>
           <a:xfrm>
-            <a:off x="0" y="0"/>
-            <a:ext cx="9052479" cy="923330"/>
+            <a:off x="1885132" y="0"/>
+            <a:ext cx="5282216" cy="923330"/>
           </a:xfrm>
           <a:prstGeom prst="rect">
             <a:avLst/>
@@ -8967,60 +9091,6 @@
                 <a:cs typeface="Times New Roman" panose="02020603050405020304" pitchFamily="18" charset="0"/>
               </a:rPr>
               <a:t>mẫu</a:t>
-            </a:r>
-            <a:r>
-              <a:rPr lang="en-US" sz="5400" dirty="0">
-                <a:ln w="0"/>
-                <a:solidFill>
-                  <a:schemeClr val="accent1"/>
-                </a:solidFill>
-                <a:effectLst>
-                  <a:outerShdw blurRad="38100" dist="25400" dir="5400000" algn="ctr" rotWithShape="0">
-                    <a:srgbClr val="6E747A">
-                      <a:alpha val="43000"/>
-                    </a:srgbClr>
-                  </a:outerShdw>
-                </a:effectLst>
-                <a:latin typeface="Times New Roman" panose="02020603050405020304" pitchFamily="18" charset="0"/>
-                <a:cs typeface="Times New Roman" panose="02020603050405020304" pitchFamily="18" charset="0"/>
-              </a:rPr>
-              <a:t> </a:t>
-            </a:r>
-            <a:r>
-              <a:rPr lang="en-US" sz="5400" dirty="0" err="1">
-                <a:ln w="0"/>
-                <a:solidFill>
-                  <a:schemeClr val="accent1"/>
-                </a:solidFill>
-                <a:effectLst>
-                  <a:outerShdw blurRad="38100" dist="25400" dir="5400000" algn="ctr" rotWithShape="0">
-                    <a:srgbClr val="6E747A">
-                      <a:alpha val="43000"/>
-                    </a:srgbClr>
-                  </a:outerShdw>
-                </a:effectLst>
-                <a:latin typeface="Times New Roman" panose="02020603050405020304" pitchFamily="18" charset="0"/>
-                <a:cs typeface="Times New Roman" panose="02020603050405020304" pitchFamily="18" charset="0"/>
-              </a:rPr>
-              <a:t>phần</a:t>
-            </a:r>
-            <a:r>
-              <a:rPr lang="en-US" sz="5400" dirty="0">
-                <a:ln w="0"/>
-                <a:solidFill>
-                  <a:schemeClr val="accent1"/>
-                </a:solidFill>
-                <a:effectLst>
-                  <a:outerShdw blurRad="38100" dist="25400" dir="5400000" algn="ctr" rotWithShape="0">
-                    <a:srgbClr val="6E747A">
-                      <a:alpha val="43000"/>
-                    </a:srgbClr>
-                  </a:outerShdw>
-                </a:effectLst>
-                <a:latin typeface="Times New Roman" panose="02020603050405020304" pitchFamily="18" charset="0"/>
-                <a:cs typeface="Times New Roman" panose="02020603050405020304" pitchFamily="18" charset="0"/>
-              </a:rPr>
-              <a:t> loading</a:t>
             </a:r>
             <a:endParaRPr lang="en-US" sz="5400" b="0" cap="none" spc="0" dirty="0">
               <a:ln w="0"/>
@@ -9040,732 +9110,43 @@
           </a:p>
         </p:txBody>
       </p:sp>
-      <p:pic>
-        <p:nvPicPr>
-          <p:cNvPr id="2" name="Picture 1">
-            <a:extLst>
-              <a:ext uri="{FF2B5EF4-FFF2-40B4-BE49-F238E27FC236}">
-                <a16:creationId xmlns:a16="http://schemas.microsoft.com/office/drawing/2014/main" id="{EB701DE2-A815-487B-B93B-7E96A1986DAE}"/>
-              </a:ext>
-            </a:extLst>
-          </p:cNvPr>
-          <p:cNvPicPr>
-            <a:picLocks noChangeAspect="1"/>
-          </p:cNvPicPr>
+      <p:sp>
+        <p:nvSpPr>
+          <p:cNvPr id="5" name="Rectangle 4">
+            <a:extLst>
+              <a:ext uri="{FF2B5EF4-FFF2-40B4-BE49-F238E27FC236}">
+                <a16:creationId xmlns:a16="http://schemas.microsoft.com/office/drawing/2014/main" id="{75ADE90B-E6D1-4760-9430-3B877104A2BC}"/>
+              </a:ext>
+            </a:extLst>
+          </p:cNvPr>
+          <p:cNvSpPr/>
           <p:nvPr/>
-        </p:nvPicPr>
-        <p:blipFill>
-          <a:blip r:embed="rId2"/>
-          <a:stretch>
-            <a:fillRect/>
-          </a:stretch>
-        </p:blipFill>
+        </p:nvSpPr>
         <p:spPr>
           <a:xfrm>
-            <a:off x="566251" y="1040229"/>
-            <a:ext cx="10648950" cy="1181100"/>
+            <a:off x="3523557" y="3059668"/>
+            <a:ext cx="4807535" cy="369332"/>
           </a:xfrm>
           <a:prstGeom prst="rect">
             <a:avLst/>
           </a:prstGeom>
         </p:spPr>
-      </p:pic>
-      <p:sp>
-        <p:nvSpPr>
-          <p:cNvPr id="3" name="TextBox 2">
-            <a:extLst>
-              <a:ext uri="{FF2B5EF4-FFF2-40B4-BE49-F238E27FC236}">
-                <a16:creationId xmlns:a16="http://schemas.microsoft.com/office/drawing/2014/main" id="{B0C2651B-EEC4-43B1-A486-CBAE1629A9BA}"/>
-              </a:ext>
-            </a:extLst>
-          </p:cNvPr>
-          <p:cNvSpPr txBox="1"/>
-          <p:nvPr/>
-        </p:nvSpPr>
-        <p:spPr>
-          <a:xfrm>
-            <a:off x="566251" y="2323322"/>
-            <a:ext cx="10648950" cy="1477328"/>
-          </a:xfrm>
-          <a:prstGeom prst="rect">
-            <a:avLst/>
-          </a:prstGeom>
-          <a:noFill/>
-        </p:spPr>
         <p:txBody>
-          <a:bodyPr wrap="square" rtlCol="0">
+          <a:bodyPr wrap="none">
             <a:spAutoFit/>
           </a:bodyPr>
           <a:lstStyle/>
           <a:p>
-            <a:pPr marL="285750" indent="-285750">
-              <a:buFontTx/>
-              <a:buChar char="-"/>
-            </a:pPr>
-            <a:r>
-              <a:rPr lang="en-US" dirty="0">
-                <a:latin typeface="Times New Roman" panose="02020603050405020304" pitchFamily="18" charset="0"/>
-                <a:cs typeface="Times New Roman" panose="02020603050405020304" pitchFamily="18" charset="0"/>
-              </a:rPr>
-              <a:t>Copy </a:t>
-            </a:r>
-            <a:r>
-              <a:rPr lang="en-US" dirty="0" err="1">
-                <a:latin typeface="Times New Roman" panose="02020603050405020304" pitchFamily="18" charset="0"/>
-                <a:cs typeface="Times New Roman" panose="02020603050405020304" pitchFamily="18" charset="0"/>
-              </a:rPr>
-              <a:t>ảnh</a:t>
-            </a:r>
-            <a:r>
-              <a:rPr lang="en-US" dirty="0">
-                <a:latin typeface="Times New Roman" panose="02020603050405020304" pitchFamily="18" charset="0"/>
-                <a:cs typeface="Times New Roman" panose="02020603050405020304" pitchFamily="18" charset="0"/>
-              </a:rPr>
-              <a:t> </a:t>
-            </a:r>
-            <a:r>
-              <a:rPr lang="en-US" dirty="0" err="1">
-                <a:latin typeface="Times New Roman" panose="02020603050405020304" pitchFamily="18" charset="0"/>
-                <a:cs typeface="Times New Roman" panose="02020603050405020304" pitchFamily="18" charset="0"/>
-              </a:rPr>
-              <a:t>cần</a:t>
-            </a:r>
-            <a:r>
-              <a:rPr lang="en-US" dirty="0">
-                <a:latin typeface="Times New Roman" panose="02020603050405020304" pitchFamily="18" charset="0"/>
-                <a:cs typeface="Times New Roman" panose="02020603050405020304" pitchFamily="18" charset="0"/>
-              </a:rPr>
-              <a:t> </a:t>
-            </a:r>
-            <a:r>
-              <a:rPr lang="en-US" dirty="0" err="1">
-                <a:latin typeface="Times New Roman" panose="02020603050405020304" pitchFamily="18" charset="0"/>
-                <a:cs typeface="Times New Roman" panose="02020603050405020304" pitchFamily="18" charset="0"/>
-              </a:rPr>
-              <a:t>lấy</a:t>
-            </a:r>
-            <a:r>
-              <a:rPr lang="en-US" dirty="0">
-                <a:latin typeface="Times New Roman" panose="02020603050405020304" pitchFamily="18" charset="0"/>
-                <a:cs typeface="Times New Roman" panose="02020603050405020304" pitchFamily="18" charset="0"/>
-              </a:rPr>
-              <a:t> </a:t>
-            </a:r>
-            <a:r>
-              <a:rPr lang="en-US" dirty="0" err="1">
-                <a:latin typeface="Times New Roman" panose="02020603050405020304" pitchFamily="18" charset="0"/>
-                <a:cs typeface="Times New Roman" panose="02020603050405020304" pitchFamily="18" charset="0"/>
-              </a:rPr>
-              <a:t>mẫu</a:t>
-            </a:r>
-            <a:r>
-              <a:rPr lang="en-US" dirty="0">
-                <a:latin typeface="Times New Roman" panose="02020603050405020304" pitchFamily="18" charset="0"/>
-                <a:cs typeface="Times New Roman" panose="02020603050405020304" pitchFamily="18" charset="0"/>
-              </a:rPr>
-              <a:t> </a:t>
-            </a:r>
-            <a:r>
-              <a:rPr lang="en-US" dirty="0" err="1">
-                <a:latin typeface="Times New Roman" panose="02020603050405020304" pitchFamily="18" charset="0"/>
-                <a:cs typeface="Times New Roman" panose="02020603050405020304" pitchFamily="18" charset="0"/>
-              </a:rPr>
-              <a:t>vào</a:t>
-            </a:r>
-            <a:r>
-              <a:rPr lang="en-US" dirty="0">
-                <a:latin typeface="Times New Roman" panose="02020603050405020304" pitchFamily="18" charset="0"/>
-                <a:cs typeface="Times New Roman" panose="02020603050405020304" pitchFamily="18" charset="0"/>
-              </a:rPr>
-              <a:t> </a:t>
-            </a:r>
-            <a:r>
-              <a:rPr lang="en-US" dirty="0" err="1">
-                <a:latin typeface="Times New Roman" panose="02020603050405020304" pitchFamily="18" charset="0"/>
-                <a:cs typeface="Times New Roman" panose="02020603050405020304" pitchFamily="18" charset="0"/>
-              </a:rPr>
-              <a:t>thư</a:t>
-            </a:r>
-            <a:r>
-              <a:rPr lang="en-US" dirty="0">
-                <a:latin typeface="Times New Roman" panose="02020603050405020304" pitchFamily="18" charset="0"/>
-                <a:cs typeface="Times New Roman" panose="02020603050405020304" pitchFamily="18" charset="0"/>
-              </a:rPr>
-              <a:t> </a:t>
-            </a:r>
-            <a:r>
-              <a:rPr lang="en-US" dirty="0" err="1">
-                <a:latin typeface="Times New Roman" panose="02020603050405020304" pitchFamily="18" charset="0"/>
-                <a:cs typeface="Times New Roman" panose="02020603050405020304" pitchFamily="18" charset="0"/>
-              </a:rPr>
-              <a:t>mục</a:t>
-            </a:r>
-            <a:r>
-              <a:rPr lang="en-US" dirty="0">
-                <a:latin typeface="Times New Roman" panose="02020603050405020304" pitchFamily="18" charset="0"/>
-                <a:cs typeface="Times New Roman" panose="02020603050405020304" pitchFamily="18" charset="0"/>
-              </a:rPr>
-              <a:t> tool </a:t>
-            </a:r>
-            <a:r>
-              <a:rPr lang="en-US" dirty="0" err="1">
-                <a:latin typeface="Times New Roman" panose="02020603050405020304" pitchFamily="18" charset="0"/>
-                <a:cs typeface="Times New Roman" panose="02020603050405020304" pitchFamily="18" charset="0"/>
-              </a:rPr>
-              <a:t>cùng</a:t>
-            </a:r>
-            <a:r>
-              <a:rPr lang="en-US" dirty="0">
-                <a:latin typeface="Times New Roman" panose="02020603050405020304" pitchFamily="18" charset="0"/>
-                <a:cs typeface="Times New Roman" panose="02020603050405020304" pitchFamily="18" charset="0"/>
-              </a:rPr>
-              <a:t> </a:t>
-            </a:r>
-            <a:r>
-              <a:rPr lang="en-US" dirty="0" err="1">
-                <a:latin typeface="Times New Roman" panose="02020603050405020304" pitchFamily="18" charset="0"/>
-                <a:cs typeface="Times New Roman" panose="02020603050405020304" pitchFamily="18" charset="0"/>
-              </a:rPr>
-              <a:t>cấp</a:t>
-            </a:r>
-            <a:r>
-              <a:rPr lang="en-US" dirty="0">
-                <a:latin typeface="Times New Roman" panose="02020603050405020304" pitchFamily="18" charset="0"/>
-                <a:cs typeface="Times New Roman" panose="02020603050405020304" pitchFamily="18" charset="0"/>
-              </a:rPr>
-              <a:t> .exe</a:t>
-            </a:r>
-          </a:p>
-          <a:p>
-            <a:pPr marL="285750" indent="-285750">
-              <a:buFontTx/>
-              <a:buChar char="-"/>
-            </a:pPr>
-            <a:r>
-              <a:rPr lang="en-US" dirty="0" err="1">
-                <a:latin typeface="Times New Roman" panose="02020603050405020304" pitchFamily="18" charset="0"/>
-                <a:cs typeface="Times New Roman" panose="02020603050405020304" pitchFamily="18" charset="0"/>
-              </a:rPr>
-              <a:t>Đổi</a:t>
-            </a:r>
-            <a:r>
-              <a:rPr lang="en-US" dirty="0">
-                <a:latin typeface="Times New Roman" panose="02020603050405020304" pitchFamily="18" charset="0"/>
-                <a:cs typeface="Times New Roman" panose="02020603050405020304" pitchFamily="18" charset="0"/>
-              </a:rPr>
-              <a:t> </a:t>
-            </a:r>
-            <a:r>
-              <a:rPr lang="en-US" dirty="0" err="1">
-                <a:latin typeface="Times New Roman" panose="02020603050405020304" pitchFamily="18" charset="0"/>
-                <a:cs typeface="Times New Roman" panose="02020603050405020304" pitchFamily="18" charset="0"/>
-              </a:rPr>
-              <a:t>tên</a:t>
-            </a:r>
-            <a:r>
-              <a:rPr lang="en-US" dirty="0">
-                <a:latin typeface="Times New Roman" panose="02020603050405020304" pitchFamily="18" charset="0"/>
-                <a:cs typeface="Times New Roman" panose="02020603050405020304" pitchFamily="18" charset="0"/>
-              </a:rPr>
-              <a:t> </a:t>
-            </a:r>
-            <a:r>
-              <a:rPr lang="en-US" dirty="0" err="1">
-                <a:latin typeface="Times New Roman" panose="02020603050405020304" pitchFamily="18" charset="0"/>
-                <a:cs typeface="Times New Roman" panose="02020603050405020304" pitchFamily="18" charset="0"/>
-              </a:rPr>
-              <a:t>thành</a:t>
-            </a:r>
-            <a:r>
-              <a:rPr lang="en-US" dirty="0">
-                <a:latin typeface="Times New Roman" panose="02020603050405020304" pitchFamily="18" charset="0"/>
-                <a:cs typeface="Times New Roman" panose="02020603050405020304" pitchFamily="18" charset="0"/>
-              </a:rPr>
-              <a:t> screen0.png</a:t>
-            </a:r>
-          </a:p>
-          <a:p>
-            <a:pPr marL="285750" indent="-285750">
-              <a:buFontTx/>
-              <a:buChar char="-"/>
-            </a:pPr>
-            <a:r>
-              <a:rPr lang="en-US" dirty="0" err="1">
-                <a:latin typeface="Times New Roman" panose="02020603050405020304" pitchFamily="18" charset="0"/>
-                <a:cs typeface="Times New Roman" panose="02020603050405020304" pitchFamily="18" charset="0"/>
-              </a:rPr>
-              <a:t>Chạy</a:t>
-            </a:r>
-            <a:r>
-              <a:rPr lang="en-US" dirty="0">
-                <a:latin typeface="Times New Roman" panose="02020603050405020304" pitchFamily="18" charset="0"/>
-                <a:cs typeface="Times New Roman" panose="02020603050405020304" pitchFamily="18" charset="0"/>
-              </a:rPr>
-              <a:t> file screencap.exe</a:t>
-            </a:r>
-          </a:p>
-          <a:p>
-            <a:pPr marL="285750" indent="-285750">
-              <a:buFontTx/>
-              <a:buChar char="-"/>
-            </a:pPr>
-            <a:r>
-              <a:rPr lang="en-US" dirty="0">
-                <a:latin typeface="Times New Roman" panose="02020603050405020304" pitchFamily="18" charset="0"/>
-                <a:cs typeface="Times New Roman" panose="02020603050405020304" pitchFamily="18" charset="0"/>
-              </a:rPr>
-              <a:t>Click </a:t>
-            </a:r>
-            <a:r>
-              <a:rPr lang="en-US" dirty="0" err="1">
-                <a:latin typeface="Times New Roman" panose="02020603050405020304" pitchFamily="18" charset="0"/>
-                <a:cs typeface="Times New Roman" panose="02020603050405020304" pitchFamily="18" charset="0"/>
-              </a:rPr>
-              <a:t>bất</a:t>
-            </a:r>
-            <a:r>
-              <a:rPr lang="en-US" dirty="0">
-                <a:latin typeface="Times New Roman" panose="02020603050405020304" pitchFamily="18" charset="0"/>
-                <a:cs typeface="Times New Roman" panose="02020603050405020304" pitchFamily="18" charset="0"/>
-              </a:rPr>
-              <a:t> </a:t>
-            </a:r>
-            <a:r>
-              <a:rPr lang="en-US" dirty="0" err="1">
-                <a:latin typeface="Times New Roman" panose="02020603050405020304" pitchFamily="18" charset="0"/>
-                <a:cs typeface="Times New Roman" panose="02020603050405020304" pitchFamily="18" charset="0"/>
-              </a:rPr>
-              <a:t>kì</a:t>
-            </a:r>
-            <a:r>
-              <a:rPr lang="en-US" dirty="0">
-                <a:latin typeface="Times New Roman" panose="02020603050405020304" pitchFamily="18" charset="0"/>
-                <a:cs typeface="Times New Roman" panose="02020603050405020304" pitchFamily="18" charset="0"/>
-              </a:rPr>
-              <a:t> </a:t>
-            </a:r>
-            <a:r>
-              <a:rPr lang="en-US" dirty="0" err="1">
-                <a:latin typeface="Times New Roman" panose="02020603050405020304" pitchFamily="18" charset="0"/>
-                <a:cs typeface="Times New Roman" panose="02020603050405020304" pitchFamily="18" charset="0"/>
-              </a:rPr>
-              <a:t>điểm</a:t>
-            </a:r>
-            <a:r>
-              <a:rPr lang="en-US" dirty="0">
-                <a:latin typeface="Times New Roman" panose="02020603050405020304" pitchFamily="18" charset="0"/>
-                <a:cs typeface="Times New Roman" panose="02020603050405020304" pitchFamily="18" charset="0"/>
-              </a:rPr>
-              <a:t> </a:t>
-            </a:r>
-            <a:r>
-              <a:rPr lang="en-US" dirty="0" err="1">
-                <a:latin typeface="Times New Roman" panose="02020603050405020304" pitchFamily="18" charset="0"/>
-                <a:cs typeface="Times New Roman" panose="02020603050405020304" pitchFamily="18" charset="0"/>
-              </a:rPr>
-              <a:t>nào</a:t>
-            </a:r>
-            <a:r>
-              <a:rPr lang="en-US" dirty="0">
-                <a:latin typeface="Times New Roman" panose="02020603050405020304" pitchFamily="18" charset="0"/>
-                <a:cs typeface="Times New Roman" panose="02020603050405020304" pitchFamily="18" charset="0"/>
-              </a:rPr>
-              <a:t> </a:t>
-            </a:r>
-            <a:r>
-              <a:rPr lang="en-US" dirty="0" err="1">
-                <a:latin typeface="Times New Roman" panose="02020603050405020304" pitchFamily="18" charset="0"/>
-                <a:cs typeface="Times New Roman" panose="02020603050405020304" pitchFamily="18" charset="0"/>
-              </a:rPr>
-              <a:t>trên</a:t>
-            </a:r>
-            <a:r>
-              <a:rPr lang="en-US" dirty="0">
-                <a:latin typeface="Times New Roman" panose="02020603050405020304" pitchFamily="18" charset="0"/>
-                <a:cs typeface="Times New Roman" panose="02020603050405020304" pitchFamily="18" charset="0"/>
-              </a:rPr>
-              <a:t> </a:t>
-            </a:r>
-            <a:r>
-              <a:rPr lang="en-US" dirty="0" err="1">
-                <a:latin typeface="Times New Roman" panose="02020603050405020304" pitchFamily="18" charset="0"/>
-                <a:cs typeface="Times New Roman" panose="02020603050405020304" pitchFamily="18" charset="0"/>
-              </a:rPr>
-              <a:t>ảnh</a:t>
-            </a:r>
-            <a:endParaRPr lang="en-US" dirty="0">
-              <a:latin typeface="Times New Roman" panose="02020603050405020304" pitchFamily="18" charset="0"/>
-              <a:cs typeface="Times New Roman" panose="02020603050405020304" pitchFamily="18" charset="0"/>
-            </a:endParaRPr>
-          </a:p>
-          <a:p>
-            <a:pPr marL="285750" indent="-285750">
-              <a:buFontTx/>
-              <a:buChar char="-"/>
-            </a:pPr>
-            <a:r>
-              <a:rPr lang="en-US" dirty="0" err="1">
-                <a:latin typeface="Times New Roman" panose="02020603050405020304" pitchFamily="18" charset="0"/>
-                <a:cs typeface="Times New Roman" panose="02020603050405020304" pitchFamily="18" charset="0"/>
-              </a:rPr>
-              <a:t>Kết</a:t>
-            </a:r>
-            <a:r>
-              <a:rPr lang="en-US" dirty="0">
-                <a:latin typeface="Times New Roman" panose="02020603050405020304" pitchFamily="18" charset="0"/>
-                <a:cs typeface="Times New Roman" panose="02020603050405020304" pitchFamily="18" charset="0"/>
-              </a:rPr>
-              <a:t> </a:t>
-            </a:r>
-            <a:r>
-              <a:rPr lang="en-US" dirty="0" err="1">
-                <a:latin typeface="Times New Roman" panose="02020603050405020304" pitchFamily="18" charset="0"/>
-                <a:cs typeface="Times New Roman" panose="02020603050405020304" pitchFamily="18" charset="0"/>
-              </a:rPr>
-              <a:t>quả</a:t>
-            </a:r>
-            <a:r>
-              <a:rPr lang="en-US" dirty="0">
-                <a:latin typeface="Times New Roman" panose="02020603050405020304" pitchFamily="18" charset="0"/>
-                <a:cs typeface="Times New Roman" panose="02020603050405020304" pitchFamily="18" charset="0"/>
-              </a:rPr>
-              <a:t> </a:t>
-            </a:r>
-            <a:r>
-              <a:rPr lang="en-US" dirty="0" err="1">
-                <a:latin typeface="Times New Roman" panose="02020603050405020304" pitchFamily="18" charset="0"/>
-                <a:cs typeface="Times New Roman" panose="02020603050405020304" pitchFamily="18" charset="0"/>
-              </a:rPr>
-              <a:t>trả</a:t>
-            </a:r>
-            <a:r>
-              <a:rPr lang="en-US" dirty="0">
-                <a:latin typeface="Times New Roman" panose="02020603050405020304" pitchFamily="18" charset="0"/>
-                <a:cs typeface="Times New Roman" panose="02020603050405020304" pitchFamily="18" charset="0"/>
-              </a:rPr>
-              <a:t> </a:t>
-            </a:r>
-            <a:r>
-              <a:rPr lang="en-US" dirty="0" err="1">
-                <a:latin typeface="Times New Roman" panose="02020603050405020304" pitchFamily="18" charset="0"/>
-                <a:cs typeface="Times New Roman" panose="02020603050405020304" pitchFamily="18" charset="0"/>
-              </a:rPr>
-              <a:t>về</a:t>
-            </a:r>
-            <a:endParaRPr lang="en-US" dirty="0">
-              <a:latin typeface="Times New Roman" panose="02020603050405020304" pitchFamily="18" charset="0"/>
-              <a:cs typeface="Times New Roman" panose="02020603050405020304" pitchFamily="18" charset="0"/>
-            </a:endParaRPr>
+            <a:r>
+              <a:rPr lang="en-US" dirty="0">
+                <a:hlinkClick r:id="rId2"/>
+              </a:rPr>
+              <a:t>https://www.youtube.com/watch?v=WKj4Hrkfrl0</a:t>
+            </a:r>
+            <a:endParaRPr lang="en-US" dirty="0"/>
           </a:p>
         </p:txBody>
       </p:sp>
-      <p:pic>
-        <p:nvPicPr>
-          <p:cNvPr id="6" name="Picture 5">
-            <a:extLst>
-              <a:ext uri="{FF2B5EF4-FFF2-40B4-BE49-F238E27FC236}">
-                <a16:creationId xmlns:a16="http://schemas.microsoft.com/office/drawing/2014/main" id="{6929DDFC-D8D4-409C-9988-5C59AB9C0809}"/>
-              </a:ext>
-            </a:extLst>
-          </p:cNvPr>
-          <p:cNvPicPr>
-            <a:picLocks noChangeAspect="1"/>
-          </p:cNvPicPr>
-          <p:nvPr/>
-        </p:nvPicPr>
-        <p:blipFill>
-          <a:blip r:embed="rId3"/>
-          <a:stretch>
-            <a:fillRect/>
-          </a:stretch>
-        </p:blipFill>
-        <p:spPr>
-          <a:xfrm>
-            <a:off x="566251" y="3800650"/>
-            <a:ext cx="4976133" cy="2862857"/>
-          </a:xfrm>
-          <a:prstGeom prst="rect">
-            <a:avLst/>
-          </a:prstGeom>
-        </p:spPr>
-      </p:pic>
-      <p:sp>
-        <p:nvSpPr>
-          <p:cNvPr id="7" name="TextBox 6">
-            <a:extLst>
-              <a:ext uri="{FF2B5EF4-FFF2-40B4-BE49-F238E27FC236}">
-                <a16:creationId xmlns:a16="http://schemas.microsoft.com/office/drawing/2014/main" id="{9BDBEFC4-A546-4F12-87EF-CD8815CDAE55}"/>
-              </a:ext>
-            </a:extLst>
-          </p:cNvPr>
-          <p:cNvSpPr txBox="1"/>
-          <p:nvPr/>
-        </p:nvSpPr>
-        <p:spPr>
-          <a:xfrm>
-            <a:off x="6096000" y="3800650"/>
-            <a:ext cx="5399314" cy="923330"/>
-          </a:xfrm>
-          <a:prstGeom prst="rect">
-            <a:avLst/>
-          </a:prstGeom>
-          <a:noFill/>
-        </p:spPr>
-        <p:txBody>
-          <a:bodyPr wrap="square" rtlCol="0">
-            <a:spAutoFit/>
-          </a:bodyPr>
-          <a:lstStyle/>
-          <a:p>
-            <a:pPr marL="285750" indent="-285750">
-              <a:buFontTx/>
-              <a:buChar char="-"/>
-            </a:pPr>
-            <a:r>
-              <a:rPr lang="en-US" dirty="0" err="1">
-                <a:latin typeface="Times New Roman" panose="02020603050405020304" pitchFamily="18" charset="0"/>
-                <a:cs typeface="Times New Roman" panose="02020603050405020304" pitchFamily="18" charset="0"/>
-              </a:rPr>
-              <a:t>Lấy</a:t>
-            </a:r>
-            <a:r>
-              <a:rPr lang="en-US" dirty="0">
-                <a:latin typeface="Times New Roman" panose="02020603050405020304" pitchFamily="18" charset="0"/>
-                <a:cs typeface="Times New Roman" panose="02020603050405020304" pitchFamily="18" charset="0"/>
-              </a:rPr>
-              <a:t> </a:t>
-            </a:r>
-            <a:r>
-              <a:rPr lang="en-US" dirty="0" err="1">
-                <a:latin typeface="Times New Roman" panose="02020603050405020304" pitchFamily="18" charset="0"/>
-                <a:cs typeface="Times New Roman" panose="02020603050405020304" pitchFamily="18" charset="0"/>
-              </a:rPr>
-              <a:t>từ</a:t>
-            </a:r>
-            <a:r>
-              <a:rPr lang="en-US" dirty="0">
-                <a:latin typeface="Times New Roman" panose="02020603050405020304" pitchFamily="18" charset="0"/>
-                <a:cs typeface="Times New Roman" panose="02020603050405020304" pitchFamily="18" charset="0"/>
-              </a:rPr>
-              <a:t> </a:t>
-            </a:r>
-            <a:r>
-              <a:rPr lang="en-US" dirty="0" err="1">
-                <a:latin typeface="Times New Roman" panose="02020603050405020304" pitchFamily="18" charset="0"/>
-                <a:cs typeface="Times New Roman" panose="02020603050405020304" pitchFamily="18" charset="0"/>
-              </a:rPr>
-              <a:t>đoạn</a:t>
-            </a:r>
-            <a:r>
-              <a:rPr lang="en-US" dirty="0">
-                <a:latin typeface="Times New Roman" panose="02020603050405020304" pitchFamily="18" charset="0"/>
-                <a:cs typeface="Times New Roman" panose="02020603050405020304" pitchFamily="18" charset="0"/>
-              </a:rPr>
-              <a:t> [array </a:t>
-            </a:r>
-            <a:r>
-              <a:rPr lang="en-US" dirty="0" err="1">
-                <a:latin typeface="Times New Roman" panose="02020603050405020304" pitchFamily="18" charset="0"/>
-                <a:cs typeface="Times New Roman" panose="02020603050405020304" pitchFamily="18" charset="0"/>
-              </a:rPr>
-              <a:t>cho</a:t>
-            </a:r>
-            <a:r>
-              <a:rPr lang="en-US" dirty="0">
-                <a:latin typeface="Times New Roman" panose="02020603050405020304" pitchFamily="18" charset="0"/>
-                <a:cs typeface="Times New Roman" panose="02020603050405020304" pitchFamily="18" charset="0"/>
-              </a:rPr>
-              <a:t> </a:t>
-            </a:r>
-            <a:r>
-              <a:rPr lang="en-US" dirty="0" err="1">
-                <a:latin typeface="Times New Roman" panose="02020603050405020304" pitchFamily="18" charset="0"/>
-                <a:cs typeface="Times New Roman" panose="02020603050405020304" pitchFamily="18" charset="0"/>
-              </a:rPr>
-              <a:t>đến</a:t>
-            </a:r>
-            <a:r>
-              <a:rPr lang="en-US" dirty="0">
-                <a:latin typeface="Times New Roman" panose="02020603050405020304" pitchFamily="18" charset="0"/>
-                <a:cs typeface="Times New Roman" panose="02020603050405020304" pitchFamily="18" charset="0"/>
-              </a:rPr>
-              <a:t> 8)]</a:t>
-            </a:r>
-          </a:p>
-          <a:p>
-            <a:pPr marL="285750" indent="-285750">
-              <a:buFontTx/>
-              <a:buChar char="-"/>
-            </a:pPr>
-            <a:r>
-              <a:rPr lang="en-US" dirty="0" err="1">
-                <a:latin typeface="Times New Roman" panose="02020603050405020304" pitchFamily="18" charset="0"/>
-                <a:cs typeface="Times New Roman" panose="02020603050405020304" pitchFamily="18" charset="0"/>
-              </a:rPr>
-              <a:t>Xóa</a:t>
-            </a:r>
-            <a:r>
-              <a:rPr lang="en-US" dirty="0">
-                <a:latin typeface="Times New Roman" panose="02020603050405020304" pitchFamily="18" charset="0"/>
-                <a:cs typeface="Times New Roman" panose="02020603050405020304" pitchFamily="18" charset="0"/>
-              </a:rPr>
-              <a:t> </a:t>
-            </a:r>
-            <a:r>
-              <a:rPr lang="en-US" dirty="0" err="1">
-                <a:latin typeface="Times New Roman" panose="02020603050405020304" pitchFamily="18" charset="0"/>
-                <a:cs typeface="Times New Roman" panose="02020603050405020304" pitchFamily="18" charset="0"/>
-              </a:rPr>
-              <a:t>hết</a:t>
-            </a:r>
-            <a:r>
-              <a:rPr lang="en-US" dirty="0">
-                <a:latin typeface="Times New Roman" panose="02020603050405020304" pitchFamily="18" charset="0"/>
-                <a:cs typeface="Times New Roman" panose="02020603050405020304" pitchFamily="18" charset="0"/>
-              </a:rPr>
-              <a:t> </a:t>
-            </a:r>
-            <a:r>
-              <a:rPr lang="en-US" dirty="0" err="1">
-                <a:latin typeface="Times New Roman" panose="02020603050405020304" pitchFamily="18" charset="0"/>
-                <a:cs typeface="Times New Roman" panose="02020603050405020304" pitchFamily="18" charset="0"/>
-              </a:rPr>
-              <a:t>những</a:t>
-            </a:r>
-            <a:r>
-              <a:rPr lang="en-US" dirty="0">
-                <a:latin typeface="Times New Roman" panose="02020603050405020304" pitchFamily="18" charset="0"/>
-                <a:cs typeface="Times New Roman" panose="02020603050405020304" pitchFamily="18" charset="0"/>
-              </a:rPr>
-              <a:t> “array(“ </a:t>
-            </a:r>
-            <a:r>
-              <a:rPr lang="en-US" dirty="0" err="1">
-                <a:latin typeface="Times New Roman" panose="02020603050405020304" pitchFamily="18" charset="0"/>
-                <a:cs typeface="Times New Roman" panose="02020603050405020304" pitchFamily="18" charset="0"/>
-              </a:rPr>
-              <a:t>và</a:t>
-            </a:r>
-            <a:r>
-              <a:rPr lang="en-US" dirty="0">
-                <a:latin typeface="Times New Roman" panose="02020603050405020304" pitchFamily="18" charset="0"/>
-                <a:cs typeface="Times New Roman" panose="02020603050405020304" pitchFamily="18" charset="0"/>
-              </a:rPr>
-              <a:t> “, </a:t>
-            </a:r>
-            <a:r>
-              <a:rPr lang="en-US" dirty="0" err="1">
-                <a:latin typeface="Times New Roman" panose="02020603050405020304" pitchFamily="18" charset="0"/>
-                <a:cs typeface="Times New Roman" panose="02020603050405020304" pitchFamily="18" charset="0"/>
-              </a:rPr>
-              <a:t>dtype</a:t>
-            </a:r>
-            <a:r>
-              <a:rPr lang="en-US" dirty="0">
-                <a:latin typeface="Times New Roman" panose="02020603050405020304" pitchFamily="18" charset="0"/>
-                <a:cs typeface="Times New Roman" panose="02020603050405020304" pitchFamily="18" charset="0"/>
-              </a:rPr>
-              <a:t>=uint8)</a:t>
-            </a:r>
-          </a:p>
-          <a:p>
-            <a:pPr marL="285750" indent="-285750">
-              <a:buFontTx/>
-              <a:buChar char="-"/>
-            </a:pPr>
-            <a:r>
-              <a:rPr lang="en-US" dirty="0">
-                <a:latin typeface="Times New Roman" panose="02020603050405020304" pitchFamily="18" charset="0"/>
-                <a:cs typeface="Times New Roman" panose="02020603050405020304" pitchFamily="18" charset="0"/>
-              </a:rPr>
-              <a:t>Copy </a:t>
-            </a:r>
-            <a:r>
-              <a:rPr lang="en-US" dirty="0" err="1">
-                <a:latin typeface="Times New Roman" panose="02020603050405020304" pitchFamily="18" charset="0"/>
-                <a:cs typeface="Times New Roman" panose="02020603050405020304" pitchFamily="18" charset="0"/>
-              </a:rPr>
-              <a:t>bỏ</a:t>
-            </a:r>
-            <a:r>
-              <a:rPr lang="en-US" dirty="0">
-                <a:latin typeface="Times New Roman" panose="02020603050405020304" pitchFamily="18" charset="0"/>
-                <a:cs typeface="Times New Roman" panose="02020603050405020304" pitchFamily="18" charset="0"/>
-              </a:rPr>
-              <a:t> </a:t>
-            </a:r>
-            <a:r>
-              <a:rPr lang="en-US" dirty="0" err="1">
-                <a:latin typeface="Times New Roman" panose="02020603050405020304" pitchFamily="18" charset="0"/>
-                <a:cs typeface="Times New Roman" panose="02020603050405020304" pitchFamily="18" charset="0"/>
-              </a:rPr>
-              <a:t>vào</a:t>
-            </a:r>
-            <a:r>
-              <a:rPr lang="en-US" dirty="0">
-                <a:latin typeface="Times New Roman" panose="02020603050405020304" pitchFamily="18" charset="0"/>
-                <a:cs typeface="Times New Roman" panose="02020603050405020304" pitchFamily="18" charset="0"/>
-              </a:rPr>
-              <a:t> </a:t>
-            </a:r>
-            <a:r>
-              <a:rPr lang="en-US" dirty="0" err="1">
-                <a:latin typeface="Times New Roman" panose="02020603050405020304" pitchFamily="18" charset="0"/>
-                <a:cs typeface="Times New Roman" panose="02020603050405020304" pitchFamily="18" charset="0"/>
-              </a:rPr>
-              <a:t>trong</a:t>
-            </a:r>
-            <a:r>
-              <a:rPr lang="en-US" dirty="0">
-                <a:latin typeface="Times New Roman" panose="02020603050405020304" pitchFamily="18" charset="0"/>
-                <a:cs typeface="Times New Roman" panose="02020603050405020304" pitchFamily="18" charset="0"/>
-              </a:rPr>
-              <a:t> file </a:t>
-            </a:r>
-            <a:r>
-              <a:rPr lang="en-US" dirty="0" err="1">
-                <a:latin typeface="Times New Roman" panose="02020603050405020304" pitchFamily="18" charset="0"/>
-                <a:cs typeface="Times New Roman" panose="02020603050405020304" pitchFamily="18" charset="0"/>
-              </a:rPr>
-              <a:t>config.json</a:t>
-            </a:r>
-            <a:endParaRPr lang="en-US" dirty="0">
-              <a:latin typeface="Times New Roman" panose="02020603050405020304" pitchFamily="18" charset="0"/>
-              <a:cs typeface="Times New Roman" panose="02020603050405020304" pitchFamily="18" charset="0"/>
-            </a:endParaRPr>
-          </a:p>
-        </p:txBody>
-      </p:sp>
-      <p:pic>
-        <p:nvPicPr>
-          <p:cNvPr id="8" name="Picture 7">
-            <a:extLst>
-              <a:ext uri="{FF2B5EF4-FFF2-40B4-BE49-F238E27FC236}">
-                <a16:creationId xmlns:a16="http://schemas.microsoft.com/office/drawing/2014/main" id="{F870BBFA-07DE-40A4-B7E0-61557FFAA070}"/>
-              </a:ext>
-            </a:extLst>
-          </p:cNvPr>
-          <p:cNvPicPr>
-            <a:picLocks noChangeAspect="1"/>
-          </p:cNvPicPr>
-          <p:nvPr/>
-        </p:nvPicPr>
-        <p:blipFill>
-          <a:blip r:embed="rId4"/>
-          <a:stretch>
-            <a:fillRect/>
-          </a:stretch>
-        </p:blipFill>
-        <p:spPr>
-          <a:xfrm>
-            <a:off x="4526239" y="5777238"/>
-            <a:ext cx="7277392" cy="848139"/>
-          </a:xfrm>
-          <a:prstGeom prst="rect">
-            <a:avLst/>
-          </a:prstGeom>
-        </p:spPr>
-      </p:pic>
     </p:spTree>
     <p:extLst>
       <p:ext uri="{BB962C8B-B14F-4D97-AF65-F5344CB8AC3E}">
